--- a/cedric_12jan.pptx
+++ b/cedric_12jan.pptx
@@ -5,7 +5,7 @@
     <p:sldMasterId id="2147483648" r:id="rId1"/>
   </p:sldMasterIdLst>
   <p:notesMasterIdLst>
-    <p:notesMasterId r:id="rId7"/>
+    <p:notesMasterId r:id="rId10"/>
   </p:notesMasterIdLst>
   <p:sldIdLst>
     <p:sldId id="257" r:id="rId2"/>
@@ -13,6 +13,9 @@
     <p:sldId id="259" r:id="rId4"/>
     <p:sldId id="260" r:id="rId5"/>
     <p:sldId id="261" r:id="rId6"/>
+    <p:sldId id="262" r:id="rId7"/>
+    <p:sldId id="263" r:id="rId8"/>
+    <p:sldId id="264" r:id="rId9"/>
   </p:sldIdLst>
   <p:sldSz cx="12192000" cy="6858000"/>
   <p:notesSz cx="6858000" cy="9144000"/>
@@ -111,6 +114,11 @@
       </a:defRPr>
     </a:lvl9pPr>
   </p:defaultTextStyle>
+  <p:extLst>
+    <p:ext uri="{EFAFB233-063F-42B5-8137-9DF3F51BA10A}">
+      <p15:sldGuideLst xmlns:p15="http://schemas.microsoft.com/office/powerpoint/2012/main"/>
+    </p:ext>
+  </p:extLst>
 </p:presentation>
 </file>
 
@@ -196,7 +204,7 @@
           <a:p>
             <a:fld id="{0B5EA528-16C0-8B4C-BFCB-43C47F73EBFD}" type="datetimeFigureOut">
               <a:rPr lang="de-DE" smtClean="0"/>
-              <a:t>12.01.21</a:t>
+              <a:t>19.01.21</a:t>
             </a:fld>
             <a:endParaRPr lang="de-DE"/>
           </a:p>
@@ -1000,7 +1008,7 @@
           <a:p>
             <a:fld id="{414F3F13-8A44-864F-AE2D-0B9205D3DD45}" type="datetimeFigureOut">
               <a:rPr lang="de-DE" smtClean="0"/>
-              <a:t>11.01.21</a:t>
+              <a:t>19.01.21</a:t>
             </a:fld>
             <a:endParaRPr lang="de-DE"/>
           </a:p>
@@ -1200,7 +1208,7 @@
           <a:p>
             <a:fld id="{414F3F13-8A44-864F-AE2D-0B9205D3DD45}" type="datetimeFigureOut">
               <a:rPr lang="de-DE" smtClean="0"/>
-              <a:t>11.01.21</a:t>
+              <a:t>19.01.21</a:t>
             </a:fld>
             <a:endParaRPr lang="de-DE"/>
           </a:p>
@@ -1410,7 +1418,7 @@
           <a:p>
             <a:fld id="{414F3F13-8A44-864F-AE2D-0B9205D3DD45}" type="datetimeFigureOut">
               <a:rPr lang="de-DE" smtClean="0"/>
-              <a:t>11.01.21</a:t>
+              <a:t>19.01.21</a:t>
             </a:fld>
             <a:endParaRPr lang="de-DE"/>
           </a:p>
@@ -1610,7 +1618,7 @@
           <a:p>
             <a:fld id="{414F3F13-8A44-864F-AE2D-0B9205D3DD45}" type="datetimeFigureOut">
               <a:rPr lang="de-DE" smtClean="0"/>
-              <a:t>11.01.21</a:t>
+              <a:t>19.01.21</a:t>
             </a:fld>
             <a:endParaRPr lang="de-DE"/>
           </a:p>
@@ -1886,7 +1894,7 @@
           <a:p>
             <a:fld id="{414F3F13-8A44-864F-AE2D-0B9205D3DD45}" type="datetimeFigureOut">
               <a:rPr lang="de-DE" smtClean="0"/>
-              <a:t>11.01.21</a:t>
+              <a:t>19.01.21</a:t>
             </a:fld>
             <a:endParaRPr lang="de-DE"/>
           </a:p>
@@ -2154,7 +2162,7 @@
           <a:p>
             <a:fld id="{414F3F13-8A44-864F-AE2D-0B9205D3DD45}" type="datetimeFigureOut">
               <a:rPr lang="de-DE" smtClean="0"/>
-              <a:t>11.01.21</a:t>
+              <a:t>19.01.21</a:t>
             </a:fld>
             <a:endParaRPr lang="de-DE"/>
           </a:p>
@@ -2569,7 +2577,7 @@
           <a:p>
             <a:fld id="{414F3F13-8A44-864F-AE2D-0B9205D3DD45}" type="datetimeFigureOut">
               <a:rPr lang="de-DE" smtClean="0"/>
-              <a:t>11.01.21</a:t>
+              <a:t>19.01.21</a:t>
             </a:fld>
             <a:endParaRPr lang="de-DE"/>
           </a:p>
@@ -2711,7 +2719,7 @@
           <a:p>
             <a:fld id="{414F3F13-8A44-864F-AE2D-0B9205D3DD45}" type="datetimeFigureOut">
               <a:rPr lang="de-DE" smtClean="0"/>
-              <a:t>11.01.21</a:t>
+              <a:t>19.01.21</a:t>
             </a:fld>
             <a:endParaRPr lang="de-DE"/>
           </a:p>
@@ -2824,7 +2832,7 @@
           <a:p>
             <a:fld id="{414F3F13-8A44-864F-AE2D-0B9205D3DD45}" type="datetimeFigureOut">
               <a:rPr lang="de-DE" smtClean="0"/>
-              <a:t>11.01.21</a:t>
+              <a:t>19.01.21</a:t>
             </a:fld>
             <a:endParaRPr lang="de-DE"/>
           </a:p>
@@ -3137,7 +3145,7 @@
           <a:p>
             <a:fld id="{414F3F13-8A44-864F-AE2D-0B9205D3DD45}" type="datetimeFigureOut">
               <a:rPr lang="de-DE" smtClean="0"/>
-              <a:t>11.01.21</a:t>
+              <a:t>19.01.21</a:t>
             </a:fld>
             <a:endParaRPr lang="de-DE"/>
           </a:p>
@@ -3426,7 +3434,7 @@
           <a:p>
             <a:fld id="{414F3F13-8A44-864F-AE2D-0B9205D3DD45}" type="datetimeFigureOut">
               <a:rPr lang="de-DE" smtClean="0"/>
-              <a:t>11.01.21</a:t>
+              <a:t>19.01.21</a:t>
             </a:fld>
             <a:endParaRPr lang="de-DE"/>
           </a:p>
@@ -3669,7 +3677,7 @@
           <a:p>
             <a:fld id="{414F3F13-8A44-864F-AE2D-0B9205D3DD45}" type="datetimeFigureOut">
               <a:rPr lang="de-DE" smtClean="0"/>
-              <a:t>11.01.21</a:t>
+              <a:t>19.01.21</a:t>
             </a:fld>
             <a:endParaRPr lang="de-DE"/>
           </a:p>
@@ -4344,8 +4352,8 @@
         </p:blipFill>
         <p:spPr>
           <a:xfrm>
-            <a:off x="3282950" y="3804444"/>
-            <a:ext cx="3695700" cy="647700"/>
+            <a:off x="3826043" y="3564519"/>
+            <a:ext cx="6333880" cy="1110062"/>
           </a:xfrm>
           <a:prstGeom prst="rect">
             <a:avLst/>
@@ -4433,8 +4441,8 @@
         </p:blipFill>
         <p:spPr>
           <a:xfrm>
-            <a:off x="3619500" y="1690688"/>
-            <a:ext cx="4305300" cy="4017963"/>
+            <a:off x="3292719" y="1249997"/>
+            <a:ext cx="5606562" cy="5232378"/>
           </a:xfrm>
         </p:spPr>
       </p:pic>
@@ -4512,8 +4520,8 @@
           </a:p>
         </p:txBody>
       </p:sp>
-      <mc:AlternateContent xmlns:mc="http://schemas.openxmlformats.org/markup-compatibility/2006">
-        <mc:Choice xmlns:a14="http://schemas.microsoft.com/office/drawing/2010/main" Requires="a14">
+      <mc:AlternateContent xmlns:mc="http://schemas.openxmlformats.org/markup-compatibility/2006" xmlns:a14="http://schemas.microsoft.com/office/drawing/2010/main">
+        <mc:Choice Requires="a14">
           <p:sp>
             <p:nvSpPr>
               <p:cNvPr id="3" name="Content Placeholder 2">
@@ -4571,7 +4579,7 @@
             </p:txBody>
           </p:sp>
         </mc:Choice>
-        <mc:Fallback>
+        <mc:Fallback xmlns="">
           <p:sp>
             <p:nvSpPr>
               <p:cNvPr id="3" name="Content Placeholder 2">
@@ -5094,8 +5102,8 @@
           </a:p>
         </p:txBody>
       </p:sp>
-      <mc:AlternateContent xmlns:mc="http://schemas.openxmlformats.org/markup-compatibility/2006">
-        <mc:Choice xmlns:a14="http://schemas.microsoft.com/office/drawing/2010/main" Requires="a14">
+      <mc:AlternateContent xmlns:mc="http://schemas.openxmlformats.org/markup-compatibility/2006" xmlns:a14="http://schemas.microsoft.com/office/drawing/2010/main">
+        <mc:Choice Requires="a14">
           <p:sp>
             <p:nvSpPr>
               <p:cNvPr id="3" name="Content Placeholder 2">
@@ -5152,7 +5160,7 @@
                 </a:r>
                 <a:r>
                   <a:rPr lang="de-DE" dirty="0"/>
-                  <a:t>?</a:t>
+                  <a:t> H / B?</a:t>
                 </a:r>
               </a:p>
               <a:p>
@@ -5237,7 +5245,10 @@
                   <a:rPr lang="de-DE" dirty="0" err="1"/>
                   <a:t>fenics</a:t>
                 </a:r>
-                <a:endParaRPr lang="de-DE" dirty="0"/>
+                <a:r>
+                  <a:rPr lang="de-DE" dirty="0"/>
+                  <a:t> DOLFIN</a:t>
+                </a:r>
               </a:p>
               <a:p>
                 <a:r>
@@ -5555,7 +5566,7 @@
             </p:txBody>
           </p:sp>
         </mc:Choice>
-        <mc:Fallback>
+        <mc:Fallback xmlns="">
           <p:sp>
             <p:nvSpPr>
               <p:cNvPr id="3" name="Content Placeholder 2">
@@ -5617,8 +5628,8 @@
         </p:blipFill>
         <p:spPr>
           <a:xfrm>
-            <a:off x="2774950" y="3702648"/>
-            <a:ext cx="2609850" cy="457396"/>
+            <a:off x="2833565" y="3657600"/>
+            <a:ext cx="3402016" cy="596229"/>
           </a:xfrm>
           <a:prstGeom prst="rect">
             <a:avLst/>
@@ -5629,6 +5640,976 @@
     <p:extLst>
       <p:ext uri="{BB962C8B-B14F-4D97-AF65-F5344CB8AC3E}">
         <p14:creationId xmlns:p14="http://schemas.microsoft.com/office/powerpoint/2010/main" val="3536383581"/>
+      </p:ext>
+    </p:extLst>
+  </p:cSld>
+  <p:clrMapOvr>
+    <a:masterClrMapping/>
+  </p:clrMapOvr>
+</p:sld>
+</file>
+
+<file path=ppt/slides/slide6.xml><?xml version="1.0" encoding="utf-8"?>
+<p:sld xmlns:a="http://schemas.openxmlformats.org/drawingml/2006/main" xmlns:r="http://schemas.openxmlformats.org/officeDocument/2006/relationships" xmlns:p="http://schemas.openxmlformats.org/presentationml/2006/main">
+  <p:cSld>
+    <p:spTree>
+      <p:nvGrpSpPr>
+        <p:cNvPr id="1" name=""/>
+        <p:cNvGrpSpPr/>
+        <p:nvPr/>
+      </p:nvGrpSpPr>
+      <p:grpSpPr>
+        <a:xfrm>
+          <a:off x="0" y="0"/>
+          <a:ext cx="0" cy="0"/>
+          <a:chOff x="0" y="0"/>
+          <a:chExt cx="0" cy="0"/>
+        </a:xfrm>
+      </p:grpSpPr>
+      <p:sp>
+        <p:nvSpPr>
+          <p:cNvPr id="2" name="Title 1">
+            <a:extLst>
+              <a:ext uri="{FF2B5EF4-FFF2-40B4-BE49-F238E27FC236}">
+                <a16:creationId xmlns:a16="http://schemas.microsoft.com/office/drawing/2014/main" id="{D76D799C-095C-3449-B34C-3EBE2D9FEE8E}"/>
+              </a:ext>
+            </a:extLst>
+          </p:cNvPr>
+          <p:cNvSpPr>
+            <a:spLocks noGrp="1"/>
+          </p:cNvSpPr>
+          <p:nvPr>
+            <p:ph type="title"/>
+          </p:nvPr>
+        </p:nvSpPr>
+        <p:spPr/>
+        <p:txBody>
+          <a:bodyPr/>
+          <a:lstStyle/>
+          <a:p>
+            <a:r>
+              <a:rPr lang="de-DE" dirty="0"/>
+              <a:t>Starts </a:t>
+            </a:r>
+            <a:r>
+              <a:rPr lang="de-DE" dirty="0" err="1"/>
+              <a:t>from</a:t>
+            </a:r>
+            <a:r>
+              <a:rPr lang="de-DE" dirty="0"/>
+              <a:t> all </a:t>
+            </a:r>
+            <a:r>
+              <a:rPr lang="de-DE" dirty="0" err="1"/>
+              <a:t>up</a:t>
+            </a:r>
+            <a:r>
+              <a:rPr lang="de-DE" dirty="0"/>
+              <a:t>, </a:t>
+            </a:r>
+            <a:r>
+              <a:rPr lang="de-DE" dirty="0" err="1"/>
+              <a:t>Optimized</a:t>
+            </a:r>
+            <a:r>
+              <a:rPr lang="de-DE" dirty="0"/>
+              <a:t> Array</a:t>
+            </a:r>
+          </a:p>
+        </p:txBody>
+      </p:sp>
+      <p:graphicFrame>
+        <p:nvGraphicFramePr>
+          <p:cNvPr id="8" name="Object 7">
+            <a:extLst>
+              <a:ext uri="{FF2B5EF4-FFF2-40B4-BE49-F238E27FC236}">
+                <a16:creationId xmlns:a16="http://schemas.microsoft.com/office/drawing/2014/main" id="{15BC4619-9764-7D42-A355-50E672C6E887}"/>
+              </a:ext>
+            </a:extLst>
+          </p:cNvPr>
+          <p:cNvGraphicFramePr>
+            <a:graphicFrameLocks noChangeAspect="1"/>
+          </p:cNvGraphicFramePr>
+          <p:nvPr>
+            <p:extLst>
+              <p:ext uri="{D42A27DB-BD31-4B8C-83A1-F6EECF244321}">
+                <p14:modId xmlns:p14="http://schemas.microsoft.com/office/powerpoint/2010/main" val="2275369171"/>
+              </p:ext>
+            </p:extLst>
+          </p:nvPr>
+        </p:nvGraphicFramePr>
+        <p:xfrm>
+          <a:off x="2427037" y="2033253"/>
+          <a:ext cx="1652337" cy="2121751"/>
+        </p:xfrm>
+        <a:graphic>
+          <a:graphicData uri="http://schemas.openxmlformats.org/presentationml/2006/ole">
+            <mc:AlternateContent xmlns:mc="http://schemas.openxmlformats.org/markup-compatibility/2006">
+              <mc:Choice xmlns:v="urn:schemas-microsoft-com:vml" Requires="v">
+                <p:oleObj spid="_x0000_s1034" name="Worksheet" r:id="rId3" imgW="1117600" imgH="1435100" progId="Excel.Sheet.12">
+                  <p:embed/>
+                </p:oleObj>
+              </mc:Choice>
+              <mc:Fallback>
+                <p:oleObj name="Worksheet" r:id="rId3" imgW="1117600" imgH="1435100" progId="Excel.Sheet.12">
+                  <p:embed/>
+                  <p:pic>
+                    <p:nvPicPr>
+                      <p:cNvPr id="0" name=""/>
+                      <p:cNvPicPr/>
+                      <p:nvPr/>
+                    </p:nvPicPr>
+                    <p:blipFill>
+                      <a:blip r:embed="rId4"/>
+                      <a:stretch>
+                        <a:fillRect/>
+                      </a:stretch>
+                    </p:blipFill>
+                    <p:spPr>
+                      <a:xfrm>
+                        <a:off x="2427037" y="2033253"/>
+                        <a:ext cx="1652337" cy="2121751"/>
+                      </a:xfrm>
+                      <a:prstGeom prst="rect">
+                        <a:avLst/>
+                      </a:prstGeom>
+                    </p:spPr>
+                  </p:pic>
+                </p:oleObj>
+              </mc:Fallback>
+            </mc:AlternateContent>
+          </a:graphicData>
+        </a:graphic>
+      </p:graphicFrame>
+      <p:graphicFrame>
+        <p:nvGraphicFramePr>
+          <p:cNvPr id="9" name="Object 8">
+            <a:extLst>
+              <a:ext uri="{FF2B5EF4-FFF2-40B4-BE49-F238E27FC236}">
+                <a16:creationId xmlns:a16="http://schemas.microsoft.com/office/drawing/2014/main" id="{3300312A-C7C7-774A-B110-7BAD7BF3517E}"/>
+              </a:ext>
+            </a:extLst>
+          </p:cNvPr>
+          <p:cNvGraphicFramePr>
+            <a:graphicFrameLocks noChangeAspect="1"/>
+          </p:cNvGraphicFramePr>
+          <p:nvPr>
+            <p:extLst>
+              <p:ext uri="{D42A27DB-BD31-4B8C-83A1-F6EECF244321}">
+                <p14:modId xmlns:p14="http://schemas.microsoft.com/office/powerpoint/2010/main" val="112315874"/>
+              </p:ext>
+            </p:extLst>
+          </p:nvPr>
+        </p:nvGraphicFramePr>
+        <p:xfrm>
+          <a:off x="6706937" y="1645821"/>
+          <a:ext cx="2019300" cy="3467100"/>
+        </p:xfrm>
+        <a:graphic>
+          <a:graphicData uri="http://schemas.openxmlformats.org/presentationml/2006/ole">
+            <mc:AlternateContent xmlns:mc="http://schemas.openxmlformats.org/markup-compatibility/2006">
+              <mc:Choice xmlns:v="urn:schemas-microsoft-com:vml" Requires="v">
+                <p:oleObj spid="_x0000_s1035" name="Worksheet" r:id="rId5" imgW="2019300" imgH="3467100" progId="Excel.Sheet.12">
+                  <p:embed/>
+                </p:oleObj>
+              </mc:Choice>
+              <mc:Fallback>
+                <p:oleObj name="Worksheet" r:id="rId5" imgW="2019300" imgH="3467100" progId="Excel.Sheet.12">
+                  <p:embed/>
+                  <p:pic>
+                    <p:nvPicPr>
+                      <p:cNvPr id="0" name=""/>
+                      <p:cNvPicPr/>
+                      <p:nvPr/>
+                    </p:nvPicPr>
+                    <p:blipFill>
+                      <a:blip r:embed="rId6"/>
+                      <a:stretch>
+                        <a:fillRect/>
+                      </a:stretch>
+                    </p:blipFill>
+                    <p:spPr>
+                      <a:xfrm>
+                        <a:off x="6706937" y="1645821"/>
+                        <a:ext cx="2019300" cy="3467100"/>
+                      </a:xfrm>
+                      <a:prstGeom prst="rect">
+                        <a:avLst/>
+                      </a:prstGeom>
+                    </p:spPr>
+                  </p:pic>
+                </p:oleObj>
+              </mc:Fallback>
+            </mc:AlternateContent>
+          </a:graphicData>
+        </a:graphic>
+      </p:graphicFrame>
+    </p:spTree>
+    <p:extLst>
+      <p:ext uri="{BB962C8B-B14F-4D97-AF65-F5344CB8AC3E}">
+        <p14:creationId xmlns:p14="http://schemas.microsoft.com/office/powerpoint/2010/main" val="3347944059"/>
+      </p:ext>
+    </p:extLst>
+  </p:cSld>
+  <p:clrMapOvr>
+    <a:masterClrMapping/>
+  </p:clrMapOvr>
+</p:sld>
+</file>
+
+<file path=ppt/slides/slide7.xml><?xml version="1.0" encoding="utf-8"?>
+<p:sld xmlns:a="http://schemas.openxmlformats.org/drawingml/2006/main" xmlns:r="http://schemas.openxmlformats.org/officeDocument/2006/relationships" xmlns:p="http://schemas.openxmlformats.org/presentationml/2006/main">
+  <p:cSld>
+    <p:spTree>
+      <p:nvGrpSpPr>
+        <p:cNvPr id="1" name=""/>
+        <p:cNvGrpSpPr/>
+        <p:nvPr/>
+      </p:nvGrpSpPr>
+      <p:grpSpPr>
+        <a:xfrm>
+          <a:off x="0" y="0"/>
+          <a:ext cx="0" cy="0"/>
+          <a:chOff x="0" y="0"/>
+          <a:chExt cx="0" cy="0"/>
+        </a:xfrm>
+      </p:grpSpPr>
+      <p:sp>
+        <p:nvSpPr>
+          <p:cNvPr id="2" name="Title 1">
+            <a:extLst>
+              <a:ext uri="{FF2B5EF4-FFF2-40B4-BE49-F238E27FC236}">
+                <a16:creationId xmlns:a16="http://schemas.microsoft.com/office/drawing/2014/main" id="{E3C5AFA4-742D-D249-9BF1-CA24DFBE1387}"/>
+              </a:ext>
+            </a:extLst>
+          </p:cNvPr>
+          <p:cNvSpPr>
+            <a:spLocks noGrp="1"/>
+          </p:cNvSpPr>
+          <p:nvPr>
+            <p:ph type="title"/>
+          </p:nvPr>
+        </p:nvSpPr>
+        <p:spPr/>
+        <p:txBody>
+          <a:bodyPr/>
+          <a:lstStyle/>
+          <a:p>
+            <a:r>
+              <a:rPr lang="de-DE" dirty="0"/>
+              <a:t>Inverse </a:t>
+            </a:r>
+            <a:r>
+              <a:rPr lang="de-DE" dirty="0" err="1"/>
+              <a:t>problem</a:t>
+            </a:r>
+            <a:r>
+              <a:rPr lang="de-DE" dirty="0"/>
+              <a:t> </a:t>
+            </a:r>
+            <a:r>
+              <a:rPr lang="de-DE" dirty="0" err="1"/>
+              <a:t>using</a:t>
+            </a:r>
+            <a:r>
+              <a:rPr lang="de-DE" dirty="0"/>
+              <a:t> CMA-ES</a:t>
+            </a:r>
+          </a:p>
+        </p:txBody>
+      </p:sp>
+      <p:sp>
+        <p:nvSpPr>
+          <p:cNvPr id="3" name="Content Placeholder 2">
+            <a:extLst>
+              <a:ext uri="{FF2B5EF4-FFF2-40B4-BE49-F238E27FC236}">
+                <a16:creationId xmlns:a16="http://schemas.microsoft.com/office/drawing/2014/main" id="{F37F2192-0FFE-484F-9854-7D4057E84944}"/>
+              </a:ext>
+            </a:extLst>
+          </p:cNvPr>
+          <p:cNvSpPr>
+            <a:spLocks noGrp="1"/>
+          </p:cNvSpPr>
+          <p:nvPr>
+            <p:ph idx="1"/>
+          </p:nvPr>
+        </p:nvSpPr>
+        <p:spPr/>
+        <p:txBody>
+          <a:bodyPr/>
+          <a:lstStyle/>
+          <a:p>
+            <a:r>
+              <a:rPr lang="de-DE" dirty="0"/>
+              <a:t>Target: all </a:t>
+            </a:r>
+            <a:r>
+              <a:rPr lang="de-DE" dirty="0" err="1"/>
+              <a:t>up</a:t>
+            </a:r>
+            <a:endParaRPr lang="de-DE" dirty="0"/>
+          </a:p>
+          <a:p>
+            <a:r>
+              <a:rPr lang="de-DE" dirty="0"/>
+              <a:t>Start: </a:t>
+            </a:r>
+            <a:r>
+              <a:rPr lang="de-DE" dirty="0" err="1"/>
+              <a:t>random</a:t>
+            </a:r>
+            <a:endParaRPr lang="de-DE" dirty="0"/>
+          </a:p>
+          <a:p>
+            <a:endParaRPr lang="de-DE" dirty="0"/>
+          </a:p>
+        </p:txBody>
+      </p:sp>
+      <p:graphicFrame>
+        <p:nvGraphicFramePr>
+          <p:cNvPr id="5" name="Object 4">
+            <a:extLst>
+              <a:ext uri="{FF2B5EF4-FFF2-40B4-BE49-F238E27FC236}">
+                <a16:creationId xmlns:a16="http://schemas.microsoft.com/office/drawing/2014/main" id="{B6EE2F6A-9073-E14B-97A7-E03902F2EBA1}"/>
+              </a:ext>
+            </a:extLst>
+          </p:cNvPr>
+          <p:cNvGraphicFramePr>
+            <a:graphicFrameLocks noChangeAspect="1"/>
+          </p:cNvGraphicFramePr>
+          <p:nvPr>
+            <p:extLst>
+              <p:ext uri="{D42A27DB-BD31-4B8C-83A1-F6EECF244321}">
+                <p14:modId xmlns:p14="http://schemas.microsoft.com/office/powerpoint/2010/main" val="3045121363"/>
+              </p:ext>
+            </p:extLst>
+          </p:nvPr>
+        </p:nvGraphicFramePr>
+        <p:xfrm>
+          <a:off x="4852569" y="2529389"/>
+          <a:ext cx="2558883" cy="2807318"/>
+        </p:xfrm>
+        <a:graphic>
+          <a:graphicData uri="http://schemas.openxmlformats.org/presentationml/2006/ole">
+            <mc:AlternateContent xmlns:mc="http://schemas.openxmlformats.org/markup-compatibility/2006">
+              <mc:Choice xmlns:v="urn:schemas-microsoft-com:vml" Requires="v">
+                <p:oleObj spid="_x0000_s2050" name="Worksheet" r:id="rId3" imgW="1308100" imgH="1435100" progId="Excel.Sheet.12">
+                  <p:embed/>
+                </p:oleObj>
+              </mc:Choice>
+              <mc:Fallback>
+                <p:oleObj name="Worksheet" r:id="rId3" imgW="1308100" imgH="1435100" progId="Excel.Sheet.12">
+                  <p:embed/>
+                  <p:pic>
+                    <p:nvPicPr>
+                      <p:cNvPr id="0" name=""/>
+                      <p:cNvPicPr/>
+                      <p:nvPr/>
+                    </p:nvPicPr>
+                    <p:blipFill>
+                      <a:blip r:embed="rId4"/>
+                      <a:stretch>
+                        <a:fillRect/>
+                      </a:stretch>
+                    </p:blipFill>
+                    <p:spPr>
+                      <a:xfrm>
+                        <a:off x="4852569" y="2529389"/>
+                        <a:ext cx="2558883" cy="2807318"/>
+                      </a:xfrm>
+                      <a:prstGeom prst="rect">
+                        <a:avLst/>
+                      </a:prstGeom>
+                    </p:spPr>
+                  </p:pic>
+                </p:oleObj>
+              </mc:Fallback>
+            </mc:AlternateContent>
+          </a:graphicData>
+        </a:graphic>
+      </p:graphicFrame>
+    </p:spTree>
+    <p:extLst>
+      <p:ext uri="{BB962C8B-B14F-4D97-AF65-F5344CB8AC3E}">
+        <p14:creationId xmlns:p14="http://schemas.microsoft.com/office/powerpoint/2010/main" val="3554807839"/>
+      </p:ext>
+    </p:extLst>
+  </p:cSld>
+  <p:clrMapOvr>
+    <a:masterClrMapping/>
+  </p:clrMapOvr>
+</p:sld>
+</file>
+
+<file path=ppt/slides/slide8.xml><?xml version="1.0" encoding="utf-8"?>
+<p:sld xmlns:a="http://schemas.openxmlformats.org/drawingml/2006/main" xmlns:r="http://schemas.openxmlformats.org/officeDocument/2006/relationships" xmlns:p="http://schemas.openxmlformats.org/presentationml/2006/main">
+  <p:cSld>
+    <p:spTree>
+      <p:nvGrpSpPr>
+        <p:cNvPr id="1" name=""/>
+        <p:cNvGrpSpPr/>
+        <p:nvPr/>
+      </p:nvGrpSpPr>
+      <p:grpSpPr>
+        <a:xfrm>
+          <a:off x="0" y="0"/>
+          <a:ext cx="0" cy="0"/>
+          <a:chOff x="0" y="0"/>
+          <a:chExt cx="0" cy="0"/>
+        </a:xfrm>
+      </p:grpSpPr>
+      <p:sp>
+        <p:nvSpPr>
+          <p:cNvPr id="2" name="Title 1">
+            <a:extLst>
+              <a:ext uri="{FF2B5EF4-FFF2-40B4-BE49-F238E27FC236}">
+                <a16:creationId xmlns:a16="http://schemas.microsoft.com/office/drawing/2014/main" id="{A16CE7C9-BDE4-B547-86DB-09806660E246}"/>
+              </a:ext>
+            </a:extLst>
+          </p:cNvPr>
+          <p:cNvSpPr>
+            <a:spLocks noGrp="1"/>
+          </p:cNvSpPr>
+          <p:nvPr>
+            <p:ph type="title"/>
+          </p:nvPr>
+        </p:nvSpPr>
+        <p:spPr/>
+        <p:txBody>
+          <a:bodyPr/>
+          <a:lstStyle/>
+          <a:p>
+            <a:r>
+              <a:rPr lang="de-DE" dirty="0"/>
+              <a:t>Finite Element </a:t>
+            </a:r>
+            <a:r>
+              <a:rPr lang="de-DE" dirty="0" err="1"/>
+              <a:t>Using</a:t>
+            </a:r>
+            <a:r>
+              <a:rPr lang="de-DE" dirty="0"/>
+              <a:t> </a:t>
+            </a:r>
+            <a:r>
+              <a:rPr lang="de-DE" dirty="0" err="1"/>
+              <a:t>Fenics</a:t>
+            </a:r>
+            <a:endParaRPr lang="de-DE" dirty="0"/>
+          </a:p>
+        </p:txBody>
+      </p:sp>
+      <p:sp>
+        <p:nvSpPr>
+          <p:cNvPr id="3" name="Content Placeholder 2">
+            <a:extLst>
+              <a:ext uri="{FF2B5EF4-FFF2-40B4-BE49-F238E27FC236}">
+                <a16:creationId xmlns:a16="http://schemas.microsoft.com/office/drawing/2014/main" id="{13BBA0DB-2D19-C44E-9370-11078FEA545D}"/>
+              </a:ext>
+            </a:extLst>
+          </p:cNvPr>
+          <p:cNvSpPr>
+            <a:spLocks noGrp="1"/>
+          </p:cNvSpPr>
+          <p:nvPr>
+            <p:ph idx="1"/>
+          </p:nvPr>
+        </p:nvSpPr>
+        <p:spPr/>
+        <p:txBody>
+          <a:bodyPr/>
+          <a:lstStyle/>
+          <a:p>
+            <a:r>
+              <a:rPr lang="de-DE" dirty="0" err="1"/>
+              <a:t>Issue</a:t>
+            </a:r>
+            <a:r>
+              <a:rPr lang="de-DE" dirty="0"/>
+              <a:t> </a:t>
+            </a:r>
+            <a:r>
+              <a:rPr lang="de-DE" dirty="0" err="1"/>
+              <a:t>with</a:t>
+            </a:r>
+            <a:r>
+              <a:rPr lang="de-DE" dirty="0"/>
+              <a:t> </a:t>
+            </a:r>
+            <a:r>
+              <a:rPr lang="de-DE" dirty="0" err="1"/>
+              <a:t>the</a:t>
+            </a:r>
+            <a:r>
+              <a:rPr lang="de-DE" dirty="0"/>
+              <a:t> </a:t>
+            </a:r>
+            <a:r>
+              <a:rPr lang="de-DE" dirty="0" err="1"/>
+              <a:t>magnet</a:t>
+            </a:r>
+            <a:r>
+              <a:rPr lang="de-DE" dirty="0"/>
+              <a:t> </a:t>
+            </a:r>
+            <a:r>
+              <a:rPr lang="de-DE" dirty="0" err="1"/>
+              <a:t>problem</a:t>
+            </a:r>
+            <a:r>
+              <a:rPr lang="de-DE" dirty="0"/>
+              <a:t>: </a:t>
+            </a:r>
+            <a:r>
+              <a:rPr lang="de-DE" dirty="0" err="1"/>
+              <a:t>Dirichlet</a:t>
+            </a:r>
+            <a:r>
+              <a:rPr lang="de-DE" dirty="0"/>
+              <a:t> </a:t>
+            </a:r>
+            <a:r>
+              <a:rPr lang="de-DE" dirty="0" err="1"/>
+              <a:t>and</a:t>
+            </a:r>
+            <a:r>
+              <a:rPr lang="de-DE" dirty="0"/>
+              <a:t> </a:t>
+            </a:r>
+            <a:r>
+              <a:rPr lang="de-DE" dirty="0" err="1"/>
+              <a:t>neumann</a:t>
+            </a:r>
+            <a:r>
+              <a:rPr lang="de-DE" dirty="0"/>
+              <a:t> </a:t>
+            </a:r>
+            <a:r>
+              <a:rPr lang="de-DE" dirty="0" err="1"/>
+              <a:t>boundary</a:t>
+            </a:r>
+            <a:r>
+              <a:rPr lang="de-DE" dirty="0"/>
+              <a:t> </a:t>
+            </a:r>
+            <a:r>
+              <a:rPr lang="de-DE" dirty="0" err="1"/>
+              <a:t>condition</a:t>
+            </a:r>
+            <a:r>
+              <a:rPr lang="de-DE" dirty="0"/>
+              <a:t> at </a:t>
+            </a:r>
+            <a:r>
+              <a:rPr lang="de-DE" dirty="0" err="1"/>
+              <a:t>the</a:t>
+            </a:r>
+            <a:r>
+              <a:rPr lang="de-DE" dirty="0"/>
+              <a:t> same </a:t>
+            </a:r>
+            <a:r>
+              <a:rPr lang="de-DE" dirty="0" err="1"/>
+              <a:t>points</a:t>
+            </a:r>
+            <a:r>
+              <a:rPr lang="de-DE" dirty="0"/>
+              <a:t> (</a:t>
+            </a:r>
+            <a:r>
+              <a:rPr lang="de-DE" dirty="0" err="1"/>
+              <a:t>magnet</a:t>
+            </a:r>
+            <a:r>
+              <a:rPr lang="de-DE" dirty="0"/>
+              <a:t> </a:t>
+            </a:r>
+            <a:r>
+              <a:rPr lang="de-DE" dirty="0" err="1"/>
+              <a:t>skin</a:t>
+            </a:r>
+            <a:r>
+              <a:rPr lang="de-DE"/>
+              <a:t>)</a:t>
+            </a:r>
+            <a:endParaRPr lang="de-DE" dirty="0"/>
+          </a:p>
+          <a:p>
+            <a:r>
+              <a:rPr lang="de-DE" dirty="0" err="1"/>
+              <a:t>Normally</a:t>
+            </a:r>
+            <a:r>
+              <a:rPr lang="de-DE" dirty="0"/>
+              <a:t>, </a:t>
+            </a:r>
+            <a:r>
+              <a:rPr lang="de-DE" dirty="0" err="1"/>
+              <a:t>solvers</a:t>
+            </a:r>
+            <a:r>
+              <a:rPr lang="de-DE" dirty="0"/>
+              <a:t> </a:t>
+            </a:r>
+            <a:r>
+              <a:rPr lang="de-DE" dirty="0" err="1"/>
+              <a:t>can</a:t>
+            </a:r>
+            <a:r>
+              <a:rPr lang="de-DE" dirty="0"/>
+              <a:t> </a:t>
+            </a:r>
+            <a:r>
+              <a:rPr lang="de-DE" dirty="0" err="1"/>
+              <a:t>only</a:t>
+            </a:r>
+            <a:r>
+              <a:rPr lang="de-DE" dirty="0"/>
+              <a:t> </a:t>
+            </a:r>
+            <a:r>
+              <a:rPr lang="de-DE" dirty="0" err="1"/>
+              <a:t>use</a:t>
+            </a:r>
+            <a:r>
+              <a:rPr lang="de-DE" dirty="0"/>
+              <a:t> </a:t>
+            </a:r>
+            <a:r>
+              <a:rPr lang="de-DE" dirty="0" err="1"/>
+              <a:t>one</a:t>
+            </a:r>
+            <a:r>
+              <a:rPr lang="de-DE" dirty="0"/>
+              <a:t>. </a:t>
+            </a:r>
+            <a:r>
+              <a:rPr lang="de-DE" dirty="0" err="1"/>
+              <a:t>It</a:t>
+            </a:r>
+            <a:r>
+              <a:rPr lang="de-DE" dirty="0"/>
+              <a:t> </a:t>
+            </a:r>
+            <a:r>
+              <a:rPr lang="de-DE" dirty="0" err="1"/>
+              <a:t>works</a:t>
+            </a:r>
+            <a:r>
+              <a:rPr lang="de-DE" dirty="0"/>
+              <a:t> in </a:t>
+            </a:r>
+            <a:r>
+              <a:rPr lang="de-DE" dirty="0" err="1"/>
+              <a:t>fenics</a:t>
+            </a:r>
+            <a:r>
+              <a:rPr lang="de-DE" dirty="0"/>
+              <a:t>, but I </a:t>
+            </a:r>
+            <a:r>
+              <a:rPr lang="de-DE" dirty="0" err="1"/>
+              <a:t>doubt</a:t>
+            </a:r>
+            <a:r>
+              <a:rPr lang="de-DE" dirty="0"/>
+              <a:t> </a:t>
+            </a:r>
+            <a:r>
+              <a:rPr lang="de-DE" dirty="0" err="1"/>
+              <a:t>its</a:t>
+            </a:r>
+            <a:r>
+              <a:rPr lang="de-DE" dirty="0"/>
+              <a:t> </a:t>
+            </a:r>
+            <a:r>
+              <a:rPr lang="de-DE" dirty="0" err="1"/>
+              <a:t>accuracy</a:t>
+            </a:r>
+            <a:r>
+              <a:rPr lang="de-DE" dirty="0"/>
+              <a:t>. </a:t>
+            </a:r>
+          </a:p>
+          <a:p>
+            <a:pPr lvl="1"/>
+            <a:r>
+              <a:rPr lang="de-DE" dirty="0"/>
+              <a:t>People </a:t>
+            </a:r>
+            <a:r>
+              <a:rPr lang="de-DE" dirty="0" err="1"/>
+              <a:t>says</a:t>
+            </a:r>
+            <a:r>
+              <a:rPr lang="de-DE" dirty="0"/>
+              <a:t> in </a:t>
+            </a:r>
+            <a:r>
+              <a:rPr lang="de-DE" dirty="0" err="1"/>
+              <a:t>most</a:t>
+            </a:r>
+            <a:r>
+              <a:rPr lang="de-DE" dirty="0"/>
+              <a:t> </a:t>
+            </a:r>
+            <a:r>
+              <a:rPr lang="de-DE" dirty="0" err="1"/>
+              <a:t>solvers</a:t>
+            </a:r>
+            <a:r>
+              <a:rPr lang="de-DE" dirty="0"/>
+              <a:t>, </a:t>
+            </a:r>
+            <a:r>
+              <a:rPr lang="de-DE" dirty="0" err="1"/>
+              <a:t>the</a:t>
+            </a:r>
+            <a:r>
+              <a:rPr lang="de-DE" dirty="0"/>
+              <a:t> Neumann </a:t>
+            </a:r>
+            <a:r>
+              <a:rPr lang="de-DE" dirty="0" err="1"/>
+              <a:t>boundary</a:t>
+            </a:r>
+            <a:r>
+              <a:rPr lang="de-DE" dirty="0"/>
+              <a:t> </a:t>
+            </a:r>
+            <a:r>
+              <a:rPr lang="de-DE" dirty="0" err="1"/>
+              <a:t>condition</a:t>
+            </a:r>
+            <a:r>
+              <a:rPr lang="de-DE" dirty="0"/>
+              <a:t> </a:t>
+            </a:r>
+            <a:r>
+              <a:rPr lang="de-DE" dirty="0" err="1"/>
+              <a:t>takes</a:t>
+            </a:r>
+            <a:r>
+              <a:rPr lang="de-DE" dirty="0"/>
+              <a:t> </a:t>
+            </a:r>
+            <a:r>
+              <a:rPr lang="de-DE" dirty="0" err="1"/>
+              <a:t>precedence</a:t>
+            </a:r>
+            <a:endParaRPr lang="de-DE" dirty="0"/>
+          </a:p>
+          <a:p>
+            <a:pPr lvl="1"/>
+            <a:r>
+              <a:rPr lang="de-DE" dirty="0" err="1"/>
+              <a:t>Fredkin</a:t>
+            </a:r>
+            <a:r>
+              <a:rPr lang="de-DE" dirty="0"/>
+              <a:t>-Köhler </a:t>
+            </a:r>
+            <a:r>
+              <a:rPr lang="de-DE" dirty="0" err="1"/>
+              <a:t>accuracy</a:t>
+            </a:r>
+            <a:r>
+              <a:rPr lang="de-DE" dirty="0"/>
+              <a:t> </a:t>
+            </a:r>
+            <a:r>
+              <a:rPr lang="de-DE" dirty="0" err="1"/>
+              <a:t>is</a:t>
+            </a:r>
+            <a:r>
+              <a:rPr lang="de-DE" dirty="0"/>
+              <a:t> </a:t>
+            </a:r>
+            <a:r>
+              <a:rPr lang="de-DE" dirty="0" err="1"/>
+              <a:t>good</a:t>
+            </a:r>
+            <a:r>
+              <a:rPr lang="de-DE" dirty="0"/>
+              <a:t>. </a:t>
+            </a:r>
+            <a:r>
+              <a:rPr lang="de-DE" dirty="0" err="1"/>
+              <a:t>Divide</a:t>
+            </a:r>
+            <a:r>
+              <a:rPr lang="de-DE" dirty="0"/>
+              <a:t> </a:t>
+            </a:r>
+            <a:r>
+              <a:rPr lang="de-DE" dirty="0" err="1"/>
+              <a:t>the</a:t>
+            </a:r>
+            <a:r>
+              <a:rPr lang="de-DE" dirty="0"/>
+              <a:t> </a:t>
+            </a:r>
+            <a:r>
+              <a:rPr lang="de-DE" i="1" dirty="0" err="1"/>
+              <a:t>u</a:t>
+            </a:r>
+            <a:r>
+              <a:rPr lang="de-DE" i="1" dirty="0"/>
+              <a:t> = u1 + u2.</a:t>
+            </a:r>
+            <a:r>
+              <a:rPr lang="de-DE" dirty="0"/>
+              <a:t> </a:t>
+            </a:r>
+            <a:r>
+              <a:rPr lang="de-DE" dirty="0" err="1"/>
+              <a:t>Each</a:t>
+            </a:r>
+            <a:r>
+              <a:rPr lang="de-DE" dirty="0"/>
+              <a:t> </a:t>
+            </a:r>
+            <a:r>
+              <a:rPr lang="de-DE" i="1" dirty="0" err="1"/>
+              <a:t>u</a:t>
+            </a:r>
+            <a:r>
+              <a:rPr lang="de-DE" dirty="0"/>
+              <a:t> </a:t>
+            </a:r>
+            <a:r>
+              <a:rPr lang="de-DE" dirty="0" err="1"/>
+              <a:t>uses</a:t>
+            </a:r>
+            <a:r>
+              <a:rPr lang="de-DE" dirty="0"/>
+              <a:t> </a:t>
+            </a:r>
+            <a:r>
+              <a:rPr lang="de-DE" dirty="0" err="1"/>
+              <a:t>one</a:t>
+            </a:r>
+            <a:r>
+              <a:rPr lang="de-DE" dirty="0"/>
+              <a:t> </a:t>
+            </a:r>
+            <a:r>
+              <a:rPr lang="de-DE" dirty="0" err="1"/>
+              <a:t>boundary</a:t>
+            </a:r>
+            <a:r>
+              <a:rPr lang="de-DE" dirty="0"/>
+              <a:t> </a:t>
+            </a:r>
+            <a:r>
+              <a:rPr lang="de-DE" dirty="0" err="1"/>
+              <a:t>condition</a:t>
+            </a:r>
+            <a:r>
+              <a:rPr lang="de-DE" dirty="0"/>
+              <a:t>.</a:t>
+            </a:r>
+          </a:p>
+          <a:p>
+            <a:r>
+              <a:rPr lang="de-DE" dirty="0" err="1"/>
+              <a:t>Fenics</a:t>
+            </a:r>
+            <a:r>
+              <a:rPr lang="de-DE" dirty="0"/>
+              <a:t> </a:t>
+            </a:r>
+            <a:r>
+              <a:rPr lang="de-DE" dirty="0" err="1"/>
+              <a:t>only</a:t>
+            </a:r>
+            <a:r>
+              <a:rPr lang="de-DE" dirty="0"/>
+              <a:t> </a:t>
+            </a:r>
+            <a:r>
+              <a:rPr lang="de-DE" dirty="0" err="1"/>
+              <a:t>handles</a:t>
+            </a:r>
+            <a:r>
+              <a:rPr lang="de-DE" dirty="0"/>
+              <a:t> FEM, </a:t>
+            </a:r>
+            <a:r>
+              <a:rPr lang="de-DE" dirty="0" err="1"/>
+              <a:t>the</a:t>
+            </a:r>
+            <a:r>
+              <a:rPr lang="de-DE" dirty="0"/>
+              <a:t> </a:t>
+            </a:r>
+            <a:r>
+              <a:rPr lang="de-DE" dirty="0" err="1"/>
+              <a:t>Fredkin</a:t>
+            </a:r>
+            <a:r>
+              <a:rPr lang="de-DE" dirty="0"/>
+              <a:t>-Köhler </a:t>
+            </a:r>
+            <a:r>
+              <a:rPr lang="de-DE" dirty="0" err="1"/>
+              <a:t>method</a:t>
+            </a:r>
+            <a:r>
+              <a:rPr lang="de-DE" dirty="0"/>
+              <a:t> </a:t>
+            </a:r>
+            <a:r>
+              <a:rPr lang="de-DE" dirty="0" err="1"/>
+              <a:t>uses</a:t>
+            </a:r>
+            <a:r>
+              <a:rPr lang="de-DE" dirty="0"/>
+              <a:t> FEM/BEM </a:t>
+            </a:r>
+          </a:p>
+          <a:p>
+            <a:pPr lvl="1"/>
+            <a:r>
+              <a:rPr lang="de-DE" dirty="0"/>
+              <a:t>Need BEM </a:t>
+            </a:r>
+            <a:r>
+              <a:rPr lang="de-DE" dirty="0" err="1"/>
+              <a:t>solver</a:t>
+            </a:r>
+            <a:r>
+              <a:rPr lang="de-DE" dirty="0"/>
+              <a:t>, </a:t>
+            </a:r>
+            <a:r>
+              <a:rPr lang="de-DE" dirty="0" err="1"/>
+              <a:t>available</a:t>
+            </a:r>
+            <a:r>
+              <a:rPr lang="de-DE" dirty="0"/>
+              <a:t>: </a:t>
+            </a:r>
+            <a:r>
+              <a:rPr lang="de-DE" dirty="0" err="1"/>
+              <a:t>Bempp</a:t>
+            </a:r>
+            <a:endParaRPr lang="de-DE" dirty="0"/>
+          </a:p>
+          <a:p>
+            <a:pPr lvl="1"/>
+            <a:endParaRPr lang="de-DE" dirty="0"/>
+          </a:p>
+          <a:p>
+            <a:endParaRPr lang="de-DE" dirty="0"/>
+          </a:p>
+        </p:txBody>
+      </p:sp>
+    </p:spTree>
+    <p:extLst>
+      <p:ext uri="{BB962C8B-B14F-4D97-AF65-F5344CB8AC3E}">
+        <p14:creationId xmlns:p14="http://schemas.microsoft.com/office/powerpoint/2010/main" val="3108275712"/>
       </p:ext>
     </p:extLst>
   </p:cSld>
